--- a/Streamlit_BC.pptx
+++ b/Streamlit_BC.pptx
@@ -6146,7 +6146,7 @@
           <a:p>
             <a:fld id="{C742BB5C-5954-C64A-BDFA-39E673AB52F5}" type="datetimeFigureOut">
               <a:rPr lang="en-US" smtClean="0"/>
-              <a:t>11/13/22</a:t>
+              <a:t>11/14/22</a:t>
             </a:fld>
             <a:endParaRPr lang="en-US"/>
           </a:p>
@@ -6344,7 +6344,7 @@
           <a:p>
             <a:fld id="{C742BB5C-5954-C64A-BDFA-39E673AB52F5}" type="datetimeFigureOut">
               <a:rPr lang="en-US" smtClean="0"/>
-              <a:t>11/13/22</a:t>
+              <a:t>11/14/22</a:t>
             </a:fld>
             <a:endParaRPr lang="en-US"/>
           </a:p>
@@ -6552,7 +6552,7 @@
           <a:p>
             <a:fld id="{C742BB5C-5954-C64A-BDFA-39E673AB52F5}" type="datetimeFigureOut">
               <a:rPr lang="en-US" smtClean="0"/>
-              <a:t>11/13/22</a:t>
+              <a:t>11/14/22</a:t>
             </a:fld>
             <a:endParaRPr lang="en-US"/>
           </a:p>
@@ -6750,7 +6750,7 @@
           <a:p>
             <a:fld id="{C742BB5C-5954-C64A-BDFA-39E673AB52F5}" type="datetimeFigureOut">
               <a:rPr lang="en-US" smtClean="0"/>
-              <a:t>11/13/22</a:t>
+              <a:t>11/14/22</a:t>
             </a:fld>
             <a:endParaRPr lang="en-US"/>
           </a:p>
@@ -7025,7 +7025,7 @@
           <a:p>
             <a:fld id="{C742BB5C-5954-C64A-BDFA-39E673AB52F5}" type="datetimeFigureOut">
               <a:rPr lang="en-US" smtClean="0"/>
-              <a:t>11/13/22</a:t>
+              <a:t>11/14/22</a:t>
             </a:fld>
             <a:endParaRPr lang="en-US"/>
           </a:p>
@@ -7290,7 +7290,7 @@
           <a:p>
             <a:fld id="{C742BB5C-5954-C64A-BDFA-39E673AB52F5}" type="datetimeFigureOut">
               <a:rPr lang="en-US" smtClean="0"/>
-              <a:t>11/13/22</a:t>
+              <a:t>11/14/22</a:t>
             </a:fld>
             <a:endParaRPr lang="en-US"/>
           </a:p>
@@ -7702,7 +7702,7 @@
           <a:p>
             <a:fld id="{C742BB5C-5954-C64A-BDFA-39E673AB52F5}" type="datetimeFigureOut">
               <a:rPr lang="en-US" smtClean="0"/>
-              <a:t>11/13/22</a:t>
+              <a:t>11/14/22</a:t>
             </a:fld>
             <a:endParaRPr lang="en-US"/>
           </a:p>
@@ -7843,7 +7843,7 @@
           <a:p>
             <a:fld id="{C742BB5C-5954-C64A-BDFA-39E673AB52F5}" type="datetimeFigureOut">
               <a:rPr lang="en-US" smtClean="0"/>
-              <a:t>11/13/22</a:t>
+              <a:t>11/14/22</a:t>
             </a:fld>
             <a:endParaRPr lang="en-US"/>
           </a:p>
@@ -7956,7 +7956,7 @@
           <a:p>
             <a:fld id="{C742BB5C-5954-C64A-BDFA-39E673AB52F5}" type="datetimeFigureOut">
               <a:rPr lang="en-US" smtClean="0"/>
-              <a:t>11/13/22</a:t>
+              <a:t>11/14/22</a:t>
             </a:fld>
             <a:endParaRPr lang="en-US"/>
           </a:p>
@@ -8267,7 +8267,7 @@
           <a:p>
             <a:fld id="{C742BB5C-5954-C64A-BDFA-39E673AB52F5}" type="datetimeFigureOut">
               <a:rPr lang="en-US" smtClean="0"/>
-              <a:t>11/13/22</a:t>
+              <a:t>11/14/22</a:t>
             </a:fld>
             <a:endParaRPr lang="en-US"/>
           </a:p>
@@ -8555,7 +8555,7 @@
           <a:p>
             <a:fld id="{C742BB5C-5954-C64A-BDFA-39E673AB52F5}" type="datetimeFigureOut">
               <a:rPr lang="en-US" smtClean="0"/>
-              <a:t>11/13/22</a:t>
+              <a:t>11/14/22</a:t>
             </a:fld>
             <a:endParaRPr lang="en-US"/>
           </a:p>
@@ -8796,7 +8796,7 @@
           <a:p>
             <a:fld id="{C742BB5C-5954-C64A-BDFA-39E673AB52F5}" type="datetimeFigureOut">
               <a:rPr lang="en-US" smtClean="0"/>
-              <a:t>11/13/22</a:t>
+              <a:t>11/14/22</a:t>
             </a:fld>
             <a:endParaRPr lang="en-US"/>
           </a:p>
@@ -26759,6 +26759,57 @@
           </p:txBody>
         </p:sp>
       </p:grpSp>
+      <p:sp>
+        <p:nvSpPr>
+          <p:cNvPr id="5" name="TextBox 4">
+            <a:extLst>
+              <a:ext uri="{FF2B5EF4-FFF2-40B4-BE49-F238E27FC236}">
+                <a16:creationId xmlns:a16="http://schemas.microsoft.com/office/drawing/2014/main" id="{5FE3E904-216F-8654-3FB7-AD84833962E9}"/>
+              </a:ext>
+            </a:extLst>
+          </p:cNvPr>
+          <p:cNvSpPr txBox="1"/>
+          <p:nvPr/>
+        </p:nvSpPr>
+        <p:spPr>
+          <a:xfrm>
+            <a:off x="6111240" y="3352800"/>
+            <a:ext cx="4872616" cy="369332"/>
+          </a:xfrm>
+          <a:prstGeom prst="rect">
+            <a:avLst/>
+          </a:prstGeom>
+          <a:noFill/>
+        </p:spPr>
+        <p:txBody>
+          <a:bodyPr wrap="none" rtlCol="0">
+            <a:spAutoFit/>
+          </a:bodyPr>
+          <a:lstStyle/>
+          <a:p>
+            <a:r>
+              <a:rPr lang="en-US" dirty="0"/>
+              <a:t>https://</a:t>
+            </a:r>
+            <a:r>
+              <a:rPr lang="en-US" dirty="0" err="1"/>
+              <a:t>www.youtube.com</a:t>
+            </a:r>
+            <a:r>
+              <a:rPr lang="en-US" dirty="0"/>
+              <a:t>/</a:t>
+            </a:r>
+            <a:r>
+              <a:rPr lang="en-US" dirty="0" err="1"/>
+              <a:t>watch?v</a:t>
+            </a:r>
+            <a:r>
+              <a:rPr lang="en-US" dirty="0"/>
+              <a:t>=QCucIBfCy84</a:t>
+            </a:r>
+          </a:p>
+        </p:txBody>
+      </p:sp>
     </p:spTree>
     <p:extLst>
       <p:ext uri="{BB962C8B-B14F-4D97-AF65-F5344CB8AC3E}">
